--- a/Writing tests - Session 2.pptx
+++ b/Writing tests - Session 2.pptx
@@ -5,15 +5,14 @@
     <p:sldMasterId id="2147483648" r:id="rId1"/>
   </p:sldMasterIdLst>
   <p:notesMasterIdLst>
-    <p:notesMasterId r:id="rId8"/>
+    <p:notesMasterId r:id="rId7"/>
   </p:notesMasterIdLst>
   <p:sldIdLst>
     <p:sldId id="271" r:id="rId2"/>
     <p:sldId id="277" r:id="rId3"/>
-    <p:sldId id="276" r:id="rId4"/>
-    <p:sldId id="268" r:id="rId5"/>
+    <p:sldId id="278" r:id="rId4"/>
+    <p:sldId id="276" r:id="rId5"/>
     <p:sldId id="269" r:id="rId6"/>
-    <p:sldId id="275" r:id="rId7"/>
   </p:sldIdLst>
   <p:sldSz cx="12192000" cy="6858000"/>
   <p:notesSz cx="6858000" cy="9144000"/>
@@ -202,7 +201,7 @@
           <a:p>
             <a:fld id="{B06E6352-733A-488D-BE13-AC40BA6AE342}" type="datetimeFigureOut">
               <a:rPr lang="en-US" smtClean="0"/>
-              <a:t>3/27/2018</a:t>
+              <a:t>4/4/2018</a:t>
             </a:fld>
             <a:endParaRPr lang="en-US"/>
           </a:p>
@@ -1209,7 +1208,7 @@
           <a:p>
             <a:fld id="{300289D3-B779-4E42-BF18-0EC845688D24}" type="datetime1">
               <a:rPr lang="en-US" smtClean="0"/>
-              <a:t>3/27/2018</a:t>
+              <a:t>4/4/2018</a:t>
             </a:fld>
             <a:endParaRPr lang="en-US" dirty="0"/>
           </a:p>
@@ -2329,7 +2328,7 @@
           <a:p>
             <a:fld id="{E548F475-4CC5-4C88-95A2-C909A827E43E}" type="datetime1">
               <a:rPr lang="en-US" smtClean="0"/>
-              <a:t>3/27/2018</a:t>
+              <a:t>4/4/2018</a:t>
             </a:fld>
             <a:endParaRPr lang="en-US" dirty="0"/>
           </a:p>
@@ -3340,7 +3339,7 @@
           <a:p>
             <a:fld id="{AF206AFA-E0D5-4D84-B2E9-5DB944CDC981}" type="datetime1">
               <a:rPr lang="en-US" smtClean="0"/>
-              <a:t>3/27/2018</a:t>
+              <a:t>4/4/2018</a:t>
             </a:fld>
             <a:endParaRPr lang="en-US" dirty="0"/>
           </a:p>
@@ -4510,7 +4509,7 @@
           <a:p>
             <a:fld id="{F92A983E-AA78-4179-AF74-0648EF580C6E}" type="datetime1">
               <a:rPr lang="en-US" smtClean="0"/>
-              <a:t>3/27/2018</a:t>
+              <a:t>4/4/2018</a:t>
             </a:fld>
             <a:endParaRPr lang="en-US" dirty="0"/>
           </a:p>
@@ -5571,7 +5570,7 @@
           <a:p>
             <a:fld id="{6A9BE4F4-6AAE-4D02-A1FA-1D10F69F8477}" type="datetime1">
               <a:rPr lang="en-US" smtClean="0"/>
-              <a:t>3/27/2018</a:t>
+              <a:t>4/4/2018</a:t>
             </a:fld>
             <a:endParaRPr lang="en-US" dirty="0"/>
           </a:p>
@@ -6217,7 +6216,7 @@
           <a:p>
             <a:fld id="{2892DC66-C39B-4315-B63B-D840F6F959BA}" type="datetime1">
               <a:rPr lang="en-US" smtClean="0"/>
-              <a:t>3/27/2018</a:t>
+              <a:t>4/4/2018</a:t>
             </a:fld>
             <a:endParaRPr lang="en-US" dirty="0"/>
           </a:p>
@@ -7064,7 +7063,7 @@
           <a:p>
             <a:fld id="{9ECB890D-C1D3-4ADF-B9EE-B501B357D537}" type="datetime1">
               <a:rPr lang="en-US" smtClean="0"/>
-              <a:t>3/27/2018</a:t>
+              <a:t>4/4/2018</a:t>
             </a:fld>
             <a:endParaRPr lang="en-US" dirty="0"/>
           </a:p>
@@ -7239,7 +7238,7 @@
           <a:p>
             <a:fld id="{2EDEE4B5-5116-4ACE-800F-E3F5E3F90D70}" type="datetime1">
               <a:rPr lang="en-US" smtClean="0"/>
-              <a:t>3/27/2018</a:t>
+              <a:t>4/4/2018</a:t>
             </a:fld>
             <a:endParaRPr lang="en-US" dirty="0"/>
           </a:p>
@@ -8237,7 +8236,7 @@
           <a:p>
             <a:fld id="{2980EBCA-8471-4819-8FCF-DC32765F9C97}" type="datetime1">
               <a:rPr lang="en-US" smtClean="0"/>
-              <a:t>3/27/2018</a:t>
+              <a:t>4/4/2018</a:t>
             </a:fld>
             <a:endParaRPr lang="en-US" dirty="0"/>
           </a:p>
@@ -8443,7 +8442,7 @@
           <a:p>
             <a:fld id="{805AC568-939D-46A4-90E2-BE69EDA1ECA2}" type="datetime1">
               <a:rPr lang="en-US" smtClean="0"/>
-              <a:t>3/27/2018</a:t>
+              <a:t>4/4/2018</a:t>
             </a:fld>
             <a:endParaRPr lang="en-US" dirty="0"/>
           </a:p>
@@ -9505,7 +9504,7 @@
           <a:p>
             <a:fld id="{39EE75A1-5F61-4A90-972B-163678D2F184}" type="datetime1">
               <a:rPr lang="en-US" smtClean="0"/>
-              <a:t>3/27/2018</a:t>
+              <a:t>4/4/2018</a:t>
             </a:fld>
             <a:endParaRPr lang="en-US" dirty="0"/>
           </a:p>
@@ -9777,7 +9776,7 @@
           <a:p>
             <a:fld id="{DF54E89D-2239-4E81-9C7B-533257DDE8B0}" type="datetime1">
               <a:rPr lang="en-US" smtClean="0"/>
-              <a:t>3/27/2018</a:t>
+              <a:t>4/4/2018</a:t>
             </a:fld>
             <a:endParaRPr lang="en-US" dirty="0"/>
           </a:p>
@@ -10159,7 +10158,7 @@
           <a:p>
             <a:fld id="{F7529D70-55D2-462C-967D-D61343171C15}" type="datetime1">
               <a:rPr lang="en-US" smtClean="0"/>
-              <a:t>3/27/2018</a:t>
+              <a:t>4/4/2018</a:t>
             </a:fld>
             <a:endParaRPr lang="en-US" dirty="0"/>
           </a:p>
@@ -10277,7 +10276,7 @@
           <a:p>
             <a:fld id="{2D17CBEC-880F-4F65-8739-72C03174FD90}" type="datetime1">
               <a:rPr lang="en-US" smtClean="0"/>
-              <a:t>3/27/2018</a:t>
+              <a:t>4/4/2018</a:t>
             </a:fld>
             <a:endParaRPr lang="en-US" dirty="0"/>
           </a:p>
@@ -10372,7 +10371,7 @@
           <a:p>
             <a:fld id="{ECF78017-22E5-406E-8FDE-4DBDD920EB04}" type="datetime1">
               <a:rPr lang="en-US" smtClean="0"/>
-              <a:t>3/27/2018</a:t>
+              <a:t>4/4/2018</a:t>
             </a:fld>
             <a:endParaRPr lang="en-US" dirty="0"/>
           </a:p>
@@ -11481,7 +11480,7 @@
           <a:p>
             <a:fld id="{C8F41B6E-3C16-414B-9799-E33E639D732B}" type="datetime1">
               <a:rPr lang="en-US" smtClean="0"/>
-              <a:t>3/27/2018</a:t>
+              <a:t>4/4/2018</a:t>
             </a:fld>
             <a:endParaRPr lang="en-US" dirty="0"/>
           </a:p>
@@ -12614,7 +12613,7 @@
           <a:p>
             <a:fld id="{14DC950E-47BE-419F-BC82-F87570CB9DB2}" type="datetime1">
               <a:rPr lang="en-US" smtClean="0"/>
-              <a:t>3/27/2018</a:t>
+              <a:t>4/4/2018</a:t>
             </a:fld>
             <a:endParaRPr lang="en-US" dirty="0"/>
           </a:p>
@@ -13642,7 +13641,7 @@
           <a:p>
             <a:fld id="{94027923-9DEE-496E-8DF5-8984A13B27F6}" type="datetime1">
               <a:rPr lang="en-US" smtClean="0"/>
-              <a:t>3/27/2018</a:t>
+              <a:t>4/4/2018</a:t>
             </a:fld>
             <a:endParaRPr lang="en-US" dirty="0"/>
           </a:p>
@@ -14364,13 +14363,13 @@
             <a:pPr lvl="1"/>
             <a:r>
               <a:rPr lang="en-GB" dirty="0" smtClean="0"/>
-              <a:t>Aaron’s was perhaps the most maintainable code – check it out</a:t>
+              <a:t>Share your solutions and learn from each other</a:t>
             </a:r>
           </a:p>
           <a:p>
             <a:r>
               <a:rPr lang="en-GB" dirty="0" smtClean="0"/>
-              <a:t>Focus on making a small number of highly valuable test cases</a:t>
+              <a:t>Make a small number of highly valuable test cases</a:t>
             </a:r>
           </a:p>
           <a:p>
@@ -14417,6 +14416,13 @@
   <p:clrMapOvr>
     <a:masterClrMapping/>
   </p:clrMapOvr>
+  <p:timing>
+    <p:tnLst>
+      <p:par>
+        <p:cTn id="1" dur="indefinite" restart="never" nodeType="tmRoot"/>
+      </p:par>
+    </p:tnLst>
+  </p:timing>
 </p:sld>
 </file>
 
@@ -14454,7 +14460,7 @@
           <a:p>
             <a:r>
               <a:rPr lang="en-GB" dirty="0" smtClean="0"/>
-              <a:t>Demo time!</a:t>
+              <a:t>Agenda</a:t>
             </a:r>
             <a:endParaRPr lang="en-US" dirty="0"/>
           </a:p>
@@ -14462,24 +14468,72 @@
       </p:sp>
       <p:sp>
         <p:nvSpPr>
-          <p:cNvPr id="3" name="Text Placeholder 2"/>
+          <p:cNvPr id="3" name="Content Placeholder 2"/>
           <p:cNvSpPr>
             <a:spLocks noGrp="1"/>
           </p:cNvSpPr>
           <p:nvPr>
-            <p:ph type="body" sz="half" idx="2"/>
+            <p:ph idx="1"/>
           </p:nvPr>
         </p:nvSpPr>
         <p:spPr/>
         <p:txBody>
-          <a:bodyPr/>
+          <a:bodyPr>
+            <a:normAutofit/>
+          </a:bodyPr>
           <a:lstStyle/>
           <a:p>
             <a:r>
-              <a:rPr lang="en-GB" dirty="0" smtClean="0"/>
-              <a:t>Get to the code!</a:t>
+              <a:rPr lang="en-GB" sz="2400" dirty="0" smtClean="0"/>
+              <a:t>What to test in </a:t>
             </a:r>
-            <a:endParaRPr lang="en-US" dirty="0"/>
+            <a:r>
+              <a:rPr lang="en-GB" sz="2400" dirty="0" err="1" smtClean="0"/>
+              <a:t>FormatService</a:t>
+            </a:r>
+            <a:r>
+              <a:rPr lang="en-GB" sz="2400" dirty="0" smtClean="0"/>
+              <a:t>?</a:t>
+            </a:r>
+          </a:p>
+          <a:p>
+            <a:r>
+              <a:rPr lang="en-GB" sz="2400" dirty="0" smtClean="0"/>
+              <a:t>How to make </a:t>
+            </a:r>
+            <a:r>
+              <a:rPr lang="en-GB" sz="2400" dirty="0" err="1" smtClean="0"/>
+              <a:t>FormatService</a:t>
+            </a:r>
+            <a:r>
+              <a:rPr lang="en-GB" sz="2400" dirty="0" smtClean="0"/>
+              <a:t> testable?</a:t>
+            </a:r>
+          </a:p>
+          <a:p>
+            <a:r>
+              <a:rPr lang="en-GB" sz="2400" dirty="0" smtClean="0"/>
+              <a:t>Writing some good tests</a:t>
+            </a:r>
+          </a:p>
+          <a:p>
+            <a:r>
+              <a:rPr lang="en-GB" sz="2400" dirty="0" smtClean="0"/>
+              <a:t>Using fakes in tests</a:t>
+            </a:r>
+          </a:p>
+          <a:p>
+            <a:r>
+              <a:rPr lang="en-GB" sz="2400" dirty="0" smtClean="0"/>
+              <a:t>Using substitutes in tests</a:t>
+            </a:r>
+          </a:p>
+          <a:p>
+            <a:r>
+              <a:rPr lang="en-GB" sz="2400" dirty="0" smtClean="0"/>
+              <a:t>Great success – failing tests!</a:t>
+            </a:r>
+            <a:endParaRPr lang="en-US" sz="2400" dirty="0"/>
           </a:p>
         </p:txBody>
       </p:sp>
@@ -14510,13 +14564,20 @@
     </p:spTree>
     <p:extLst>
       <p:ext uri="{BB962C8B-B14F-4D97-AF65-F5344CB8AC3E}">
-        <p14:creationId xmlns:p14="http://schemas.microsoft.com/office/powerpoint/2010/main" val="427642739"/>
+        <p14:creationId xmlns:p14="http://schemas.microsoft.com/office/powerpoint/2010/main" val="311952713"/>
       </p:ext>
     </p:extLst>
   </p:cSld>
   <p:clrMapOvr>
     <a:masterClrMapping/>
   </p:clrMapOvr>
+  <p:timing>
+    <p:tnLst>
+      <p:par>
+        <p:cTn id="1" dur="indefinite" restart="never" nodeType="tmRoot"/>
+      </p:par>
+    </p:tnLst>
+  </p:timing>
 </p:sld>
 </file>
 
@@ -14554,7 +14615,7 @@
           <a:p>
             <a:r>
               <a:rPr lang="en-GB" dirty="0" smtClean="0"/>
-              <a:t>What next</a:t>
+              <a:t>Demo time!</a:t>
             </a:r>
             <a:endParaRPr lang="en-US" dirty="0"/>
           </a:p>
@@ -14562,80 +14623,24 @@
       </p:sp>
       <p:sp>
         <p:nvSpPr>
-          <p:cNvPr id="3" name="Content Placeholder 2"/>
+          <p:cNvPr id="3" name="Text Placeholder 2"/>
           <p:cNvSpPr>
             <a:spLocks noGrp="1"/>
           </p:cNvSpPr>
           <p:nvPr>
-            <p:ph idx="1"/>
+            <p:ph type="body" sz="half" idx="2"/>
           </p:nvPr>
         </p:nvSpPr>
         <p:spPr/>
         <p:txBody>
-          <a:bodyPr>
-            <a:normAutofit/>
-          </a:bodyPr>
+          <a:bodyPr/>
           <a:lstStyle/>
           <a:p>
             <a:r>
-              <a:rPr lang="en-GB" sz="2400" dirty="0" smtClean="0"/>
-              <a:t>Session </a:t>
+              <a:rPr lang="en-GB" dirty="0" smtClean="0"/>
+              <a:t>Get to the code!</a:t>
             </a:r>
-            <a:r>
-              <a:rPr lang="en-GB" sz="2400" dirty="0"/>
-              <a:t>3</a:t>
-            </a:r>
-            <a:endParaRPr lang="en-GB" sz="2400" dirty="0" smtClean="0"/>
-          </a:p>
-          <a:p>
-            <a:pPr lvl="1"/>
-            <a:r>
-              <a:rPr lang="en-GB" sz="2000" dirty="0" smtClean="0"/>
-              <a:t>API controller testing</a:t>
-            </a:r>
-          </a:p>
-          <a:p>
-            <a:pPr lvl="1"/>
-            <a:r>
-              <a:rPr lang="en-GB" sz="2000" dirty="0" smtClean="0"/>
-              <a:t>Dependency injection</a:t>
-            </a:r>
-          </a:p>
-          <a:p>
-            <a:pPr lvl="1"/>
-            <a:r>
-              <a:rPr lang="en-GB" sz="2000" dirty="0" smtClean="0"/>
-              <a:t>Tests and ongoing development</a:t>
-            </a:r>
-            <a:endParaRPr lang="en-GB" sz="2000" dirty="0"/>
-          </a:p>
-          <a:p>
-            <a:pPr lvl="1"/>
-            <a:r>
-              <a:rPr lang="en-GB" sz="2000" dirty="0" smtClean="0"/>
-              <a:t>Database in tests</a:t>
-            </a:r>
-          </a:p>
-          <a:p>
-            <a:r>
-              <a:rPr lang="en-GB" sz="2400" dirty="0" smtClean="0"/>
-              <a:t>Send me requests for topics</a:t>
-            </a:r>
-          </a:p>
-          <a:p>
-            <a:r>
-              <a:rPr lang="en-GB" sz="2400" dirty="0" smtClean="0"/>
-              <a:t>Get in #</a:t>
-            </a:r>
-            <a:r>
-              <a:rPr lang="en-GB" sz="2400" dirty="0" err="1" smtClean="0"/>
-              <a:t>dotnet</a:t>
-            </a:r>
-            <a:r>
-              <a:rPr lang="en-GB" sz="2400" dirty="0" smtClean="0"/>
-              <a:t> and participate</a:t>
-            </a:r>
-            <a:endParaRPr lang="en-US" sz="2400" dirty="0"/>
+            <a:endParaRPr lang="en-US" dirty="0"/>
           </a:p>
         </p:txBody>
       </p:sp>
@@ -14666,7 +14671,7 @@
     </p:spTree>
     <p:extLst>
       <p:ext uri="{BB962C8B-B14F-4D97-AF65-F5344CB8AC3E}">
-        <p14:creationId xmlns:p14="http://schemas.microsoft.com/office/powerpoint/2010/main" val="3751101975"/>
+        <p14:creationId xmlns:p14="http://schemas.microsoft.com/office/powerpoint/2010/main" val="427642739"/>
       </p:ext>
     </p:extLst>
   </p:cSld>
@@ -14822,250 +14827,6 @@
     <p:extLst>
       <p:ext uri="{BB962C8B-B14F-4D97-AF65-F5344CB8AC3E}">
         <p14:creationId xmlns:p14="http://schemas.microsoft.com/office/powerpoint/2010/main" val="2886275744"/>
-      </p:ext>
-    </p:extLst>
-  </p:cSld>
-  <p:clrMapOvr>
-    <a:masterClrMapping/>
-  </p:clrMapOvr>
-  <p:timing>
-    <p:tnLst>
-      <p:par>
-        <p:cTn id="1" dur="indefinite" restart="never" nodeType="tmRoot"/>
-      </p:par>
-    </p:tnLst>
-  </p:timing>
-</p:sld>
-</file>
-
-<file path=ppt/slides/slide6.xml><?xml version="1.0" encoding="utf-8"?>
-<p:sld xmlns:a="http://schemas.openxmlformats.org/drawingml/2006/main" xmlns:r="http://schemas.openxmlformats.org/officeDocument/2006/relationships" xmlns:p="http://schemas.openxmlformats.org/presentationml/2006/main">
-  <p:cSld>
-    <p:spTree>
-      <p:nvGrpSpPr>
-        <p:cNvPr id="1" name=""/>
-        <p:cNvGrpSpPr/>
-        <p:nvPr/>
-      </p:nvGrpSpPr>
-      <p:grpSpPr>
-        <a:xfrm>
-          <a:off x="0" y="0"/>
-          <a:ext cx="0" cy="0"/>
-          <a:chOff x="0" y="0"/>
-          <a:chExt cx="0" cy="0"/>
-        </a:xfrm>
-      </p:grpSpPr>
-      <p:sp>
-        <p:nvSpPr>
-          <p:cNvPr id="2" name="Title 1"/>
-          <p:cNvSpPr>
-            <a:spLocks noGrp="1"/>
-          </p:cNvSpPr>
-          <p:nvPr>
-            <p:ph type="title"/>
-          </p:nvPr>
-        </p:nvSpPr>
-        <p:spPr/>
-        <p:txBody>
-          <a:bodyPr/>
-          <a:lstStyle/>
-          <a:p>
-            <a:r>
-              <a:rPr lang="en-GB" dirty="0" smtClean="0"/>
-              <a:t>References</a:t>
-            </a:r>
-            <a:endParaRPr lang="en-US" dirty="0"/>
-          </a:p>
-        </p:txBody>
-      </p:sp>
-      <p:sp>
-        <p:nvSpPr>
-          <p:cNvPr id="3" name="Content Placeholder 2"/>
-          <p:cNvSpPr>
-            <a:spLocks noGrp="1"/>
-          </p:cNvSpPr>
-          <p:nvPr>
-            <p:ph idx="1"/>
-          </p:nvPr>
-        </p:nvSpPr>
-        <p:spPr/>
-        <p:txBody>
-          <a:bodyPr>
-            <a:normAutofit/>
-          </a:bodyPr>
-          <a:lstStyle/>
-          <a:p>
-            <a:r>
-              <a:rPr lang="en-GB" sz="2000" dirty="0" smtClean="0"/>
-              <a:t>Slides </a:t>
-            </a:r>
-            <a:r>
-              <a:rPr lang="en-GB" sz="2000" dirty="0"/>
-              <a:t>and </a:t>
-            </a:r>
-            <a:r>
-              <a:rPr lang="en-GB" sz="2000" dirty="0" smtClean="0"/>
-              <a:t>diagrams</a:t>
-            </a:r>
-            <a:br>
-              <a:rPr lang="en-GB" sz="2000" dirty="0" smtClean="0"/>
-            </a:br>
-            <a:r>
-              <a:rPr lang="en-GB" sz="2000" b="1" dirty="0" smtClean="0">
-                <a:hlinkClick r:id="rId2"/>
-              </a:rPr>
-              <a:t>github.com/</a:t>
-            </a:r>
-            <a:r>
-              <a:rPr lang="en-GB" sz="2000" b="1" dirty="0" err="1" smtClean="0">
-                <a:hlinkClick r:id="rId2"/>
-              </a:rPr>
-              <a:t>sandersaares</a:t>
-            </a:r>
-            <a:r>
-              <a:rPr lang="en-GB" sz="2000" b="1" dirty="0" smtClean="0">
-                <a:hlinkClick r:id="rId2"/>
-              </a:rPr>
-              <a:t>/</a:t>
-            </a:r>
-            <a:r>
-              <a:rPr lang="en-GB" sz="2000" b="1" dirty="0" err="1" smtClean="0">
-                <a:hlinkClick r:id="rId2"/>
-              </a:rPr>
-              <a:t>Sessions.WritingTests</a:t>
-            </a:r>
-            <a:endParaRPr lang="en-GB" sz="2000" b="1" dirty="0" smtClean="0"/>
-          </a:p>
-          <a:p>
-            <a:r>
-              <a:rPr lang="en-GB" sz="2000" dirty="0" err="1" smtClean="0"/>
-              <a:t>FormatService</a:t>
-            </a:r>
-            <a:r>
-              <a:rPr lang="en-GB" sz="2000" dirty="0" smtClean="0"/>
-              <a:t> </a:t>
-            </a:r>
-            <a:r>
-              <a:rPr lang="en-GB" sz="2000" dirty="0"/>
-              <a:t>example</a:t>
-            </a:r>
-            <a:br>
-              <a:rPr lang="en-GB" sz="2000" dirty="0"/>
-            </a:br>
-            <a:r>
-              <a:rPr lang="en-GB" sz="2000" b="1" dirty="0" smtClean="0">
-                <a:hlinkClick r:id="rId3"/>
-              </a:rPr>
-              <a:t>github.com/</a:t>
-            </a:r>
-            <a:r>
-              <a:rPr lang="en-GB" sz="2000" b="1" dirty="0" err="1" smtClean="0">
-                <a:hlinkClick r:id="rId3"/>
-              </a:rPr>
-              <a:t>sandersaares</a:t>
-            </a:r>
-            <a:r>
-              <a:rPr lang="en-GB" sz="2000" b="1" dirty="0" smtClean="0">
-                <a:hlinkClick r:id="rId3"/>
-              </a:rPr>
-              <a:t>/</a:t>
-            </a:r>
-            <a:r>
-              <a:rPr lang="en-GB" sz="2000" b="1" dirty="0" err="1" smtClean="0">
-                <a:hlinkClick r:id="rId3"/>
-              </a:rPr>
-              <a:t>Sessions.WritingTests.FormatService</a:t>
-            </a:r>
-            <a:endParaRPr lang="en-GB" sz="2000" b="1" dirty="0" smtClean="0"/>
-          </a:p>
-          <a:p>
-            <a:pPr lvl="1"/>
-            <a:r>
-              <a:rPr lang="en-GB" sz="1800" b="1" dirty="0" smtClean="0"/>
-              <a:t>master</a:t>
-            </a:r>
-            <a:r>
-              <a:rPr lang="en-GB" sz="1800" dirty="0" smtClean="0"/>
-              <a:t> branch – initial version</a:t>
-            </a:r>
-          </a:p>
-          <a:p>
-            <a:pPr lvl="1"/>
-            <a:r>
-              <a:rPr lang="en-GB" sz="1800" b="1" dirty="0" err="1" smtClean="0"/>
-              <a:t>lessbad</a:t>
-            </a:r>
-            <a:r>
-              <a:rPr lang="en-GB" sz="1800" b="1" dirty="0" smtClean="0"/>
-              <a:t>-fakes</a:t>
-            </a:r>
-            <a:r>
-              <a:rPr lang="en-GB" sz="1800" dirty="0" smtClean="0"/>
-              <a:t> </a:t>
-            </a:r>
-            <a:r>
-              <a:rPr lang="en-GB" sz="1800" dirty="0" smtClean="0"/>
-              <a:t>branch – after design changes, with </a:t>
-            </a:r>
-            <a:r>
-              <a:rPr lang="en-GB" sz="1800" dirty="0" smtClean="0"/>
-              <a:t>tests and fakes</a:t>
-            </a:r>
-          </a:p>
-          <a:p>
-            <a:pPr lvl="1"/>
-            <a:r>
-              <a:rPr lang="en-GB" sz="1800" b="1" dirty="0" err="1" smtClean="0"/>
-              <a:t>lessbad</a:t>
-            </a:r>
-            <a:r>
-              <a:rPr lang="en-GB" sz="1800" b="1" dirty="0" smtClean="0"/>
-              <a:t>-substitutes</a:t>
-            </a:r>
-            <a:r>
-              <a:rPr lang="en-GB" sz="1800" dirty="0" smtClean="0"/>
-              <a:t> </a:t>
-            </a:r>
-            <a:r>
-              <a:rPr lang="en-GB" sz="1800" dirty="0"/>
-              <a:t>branch – </a:t>
-            </a:r>
-            <a:r>
-              <a:rPr lang="en-GB" sz="1800" dirty="0" smtClean="0"/>
-              <a:t>converted fakes to substitutes</a:t>
-            </a:r>
-            <a:endParaRPr lang="en-GB" sz="1800" dirty="0" smtClean="0"/>
-          </a:p>
-        </p:txBody>
-      </p:sp>
-      <p:sp>
-        <p:nvSpPr>
-          <p:cNvPr id="4" name="Slide Number Placeholder 3"/>
-          <p:cNvSpPr>
-            <a:spLocks noGrp="1"/>
-          </p:cNvSpPr>
-          <p:nvPr>
-            <p:ph type="sldNum" sz="quarter" idx="12"/>
-          </p:nvPr>
-        </p:nvSpPr>
-        <p:spPr/>
-        <p:txBody>
-          <a:bodyPr/>
-          <a:lstStyle/>
-          <a:p>
-            <a:fld id="{D57F1E4F-1CFF-5643-939E-217C01CDF565}" type="slidenum">
-              <a:rPr lang="en-US" smtClean="0"/>
-              <a:pPr/>
-              <a:t>6</a:t>
-            </a:fld>
-            <a:endParaRPr lang="en-US" dirty="0"/>
-          </a:p>
-        </p:txBody>
-      </p:sp>
-    </p:spTree>
-    <p:extLst>
-      <p:ext uri="{BB962C8B-B14F-4D97-AF65-F5344CB8AC3E}">
-        <p14:creationId xmlns:p14="http://schemas.microsoft.com/office/powerpoint/2010/main" val="3835965263"/>
       </p:ext>
     </p:extLst>
   </p:cSld>
